--- a/Figures.pptx
+++ b/Figures.pptx
@@ -106,6 +106,11 @@
       </a:defRPr>
     </a:lvl9pPr>
   </p:defaultTextStyle>
+  <p:extLst>
+    <p:ext uri="{EFAFB233-063F-42B5-8137-9DF3F51BA10A}">
+      <p15:sldGuideLst xmlns:p15="http://schemas.microsoft.com/office/powerpoint/2012/main"/>
+    </p:ext>
+  </p:extLst>
 </p:presentation>
 </file>
 
@@ -240,7 +245,7 @@
           <a:p>
             <a:fld id="{1F78AD8F-B685-49B2-BA03-F32BD517C0C3}" type="datetimeFigureOut">
               <a:rPr lang="en-GB" smtClean="0"/>
-              <a:t>05/04/2016</a:t>
+              <a:t>11/04/2016</a:t>
             </a:fld>
             <a:endParaRPr lang="en-GB"/>
           </a:p>
@@ -410,7 +415,7 @@
           <a:p>
             <a:fld id="{1F78AD8F-B685-49B2-BA03-F32BD517C0C3}" type="datetimeFigureOut">
               <a:rPr lang="en-GB" smtClean="0"/>
-              <a:t>05/04/2016</a:t>
+              <a:t>11/04/2016</a:t>
             </a:fld>
             <a:endParaRPr lang="en-GB"/>
           </a:p>
@@ -590,7 +595,7 @@
           <a:p>
             <a:fld id="{1F78AD8F-B685-49B2-BA03-F32BD517C0C3}" type="datetimeFigureOut">
               <a:rPr lang="en-GB" smtClean="0"/>
-              <a:t>05/04/2016</a:t>
+              <a:t>11/04/2016</a:t>
             </a:fld>
             <a:endParaRPr lang="en-GB"/>
           </a:p>
@@ -760,7 +765,7 @@
           <a:p>
             <a:fld id="{1F78AD8F-B685-49B2-BA03-F32BD517C0C3}" type="datetimeFigureOut">
               <a:rPr lang="en-GB" smtClean="0"/>
-              <a:t>05/04/2016</a:t>
+              <a:t>11/04/2016</a:t>
             </a:fld>
             <a:endParaRPr lang="en-GB"/>
           </a:p>
@@ -1006,7 +1011,7 @@
           <a:p>
             <a:fld id="{1F78AD8F-B685-49B2-BA03-F32BD517C0C3}" type="datetimeFigureOut">
               <a:rPr lang="en-GB" smtClean="0"/>
-              <a:t>05/04/2016</a:t>
+              <a:t>11/04/2016</a:t>
             </a:fld>
             <a:endParaRPr lang="en-GB"/>
           </a:p>
@@ -1238,7 +1243,7 @@
           <a:p>
             <a:fld id="{1F78AD8F-B685-49B2-BA03-F32BD517C0C3}" type="datetimeFigureOut">
               <a:rPr lang="en-GB" smtClean="0"/>
-              <a:t>05/04/2016</a:t>
+              <a:t>11/04/2016</a:t>
             </a:fld>
             <a:endParaRPr lang="en-GB"/>
           </a:p>
@@ -1605,7 +1610,7 @@
           <a:p>
             <a:fld id="{1F78AD8F-B685-49B2-BA03-F32BD517C0C3}" type="datetimeFigureOut">
               <a:rPr lang="en-GB" smtClean="0"/>
-              <a:t>05/04/2016</a:t>
+              <a:t>11/04/2016</a:t>
             </a:fld>
             <a:endParaRPr lang="en-GB"/>
           </a:p>
@@ -1723,7 +1728,7 @@
           <a:p>
             <a:fld id="{1F78AD8F-B685-49B2-BA03-F32BD517C0C3}" type="datetimeFigureOut">
               <a:rPr lang="en-GB" smtClean="0"/>
-              <a:t>05/04/2016</a:t>
+              <a:t>11/04/2016</a:t>
             </a:fld>
             <a:endParaRPr lang="en-GB"/>
           </a:p>
@@ -1818,7 +1823,7 @@
           <a:p>
             <a:fld id="{1F78AD8F-B685-49B2-BA03-F32BD517C0C3}" type="datetimeFigureOut">
               <a:rPr lang="en-GB" smtClean="0"/>
-              <a:t>05/04/2016</a:t>
+              <a:t>11/04/2016</a:t>
             </a:fld>
             <a:endParaRPr lang="en-GB"/>
           </a:p>
@@ -2095,7 +2100,7 @@
           <a:p>
             <a:fld id="{1F78AD8F-B685-49B2-BA03-F32BD517C0C3}" type="datetimeFigureOut">
               <a:rPr lang="en-GB" smtClean="0"/>
-              <a:t>05/04/2016</a:t>
+              <a:t>11/04/2016</a:t>
             </a:fld>
             <a:endParaRPr lang="en-GB"/>
           </a:p>
@@ -2348,7 +2353,7 @@
           <a:p>
             <a:fld id="{1F78AD8F-B685-49B2-BA03-F32BD517C0C3}" type="datetimeFigureOut">
               <a:rPr lang="en-GB" smtClean="0"/>
-              <a:t>05/04/2016</a:t>
+              <a:t>11/04/2016</a:t>
             </a:fld>
             <a:endParaRPr lang="en-GB"/>
           </a:p>
@@ -2561,7 +2566,7 @@
           <a:p>
             <a:fld id="{1F78AD8F-B685-49B2-BA03-F32BD517C0C3}" type="datetimeFigureOut">
               <a:rPr lang="en-GB" smtClean="0"/>
-              <a:t>05/04/2016</a:t>
+              <a:t>11/04/2016</a:t>
             </a:fld>
             <a:endParaRPr lang="en-GB"/>
           </a:p>
@@ -3014,6 +3019,13 @@
   <p:clrMapOvr>
     <a:masterClrMapping/>
   </p:clrMapOvr>
+  <p:timing>
+    <p:tnLst>
+      <p:par>
+        <p:cTn id="1" dur="indefinite" restart="never" nodeType="tmRoot"/>
+      </p:par>
+    </p:tnLst>
+  </p:timing>
 </p:sld>
 </file>
 
@@ -3394,6 +3406,64 @@
           <a:xfrm>
             <a:off x="3582186" y="2941163"/>
             <a:ext cx="471340" cy="1187777"/>
+          </a:xfrm>
+          <a:prstGeom prst="rect">
+            <a:avLst/>
+          </a:prstGeom>
+          <a:solidFill>
+            <a:schemeClr val="bg1"/>
+          </a:solidFill>
+        </p:spPr>
+        <p:txBody>
+          <a:bodyPr wrap="square" rtlCol="0">
+            <a:spAutoFit/>
+          </a:bodyPr>
+          <a:lstStyle/>
+          <a:p>
+            <a:endParaRPr lang="en-GB" dirty="0"/>
+          </a:p>
+        </p:txBody>
+      </p:sp>
+      <p:pic>
+        <p:nvPicPr>
+          <p:cNvPr id="2" name="Picture 1"/>
+          <p:cNvPicPr>
+            <a:picLocks noChangeAspect="1"/>
+          </p:cNvPicPr>
+          <p:nvPr/>
+        </p:nvPicPr>
+        <p:blipFill>
+          <a:blip r:embed="rId3">
+            <a:extLst>
+              <a:ext uri="{28A0092B-C50C-407E-A947-70E740481C1C}">
+                <a14:useLocalDpi xmlns:a14="http://schemas.microsoft.com/office/drawing/2010/main" val="0"/>
+              </a:ext>
+            </a:extLst>
+          </a:blip>
+          <a:stretch>
+            <a:fillRect/>
+          </a:stretch>
+        </p:blipFill>
+        <p:spPr>
+          <a:xfrm>
+            <a:off x="5004673" y="974546"/>
+            <a:ext cx="6096851" cy="4753638"/>
+          </a:xfrm>
+          <a:prstGeom prst="rect">
+            <a:avLst/>
+          </a:prstGeom>
+        </p:spPr>
+      </p:pic>
+      <p:sp>
+        <p:nvSpPr>
+          <p:cNvPr id="3" name="TextBox 2"/>
+          <p:cNvSpPr txBox="1"/>
+          <p:nvPr/>
+        </p:nvSpPr>
+        <p:spPr>
+          <a:xfrm>
+            <a:off x="10557164" y="1870364"/>
+            <a:ext cx="307571" cy="482138"/>
           </a:xfrm>
           <a:prstGeom prst="rect">
             <a:avLst/>

--- a/Figures.pptx
+++ b/Figures.pptx
@@ -8,6 +8,7 @@
     <p:sldId id="256" r:id="rId2"/>
     <p:sldId id="257" r:id="rId3"/>
     <p:sldId id="258" r:id="rId4"/>
+    <p:sldId id="259" r:id="rId5"/>
   </p:sldIdLst>
   <p:sldSz cx="12192000" cy="6858000"/>
   <p:notesSz cx="6858000" cy="9144000"/>
@@ -245,7 +246,7 @@
           <a:p>
             <a:fld id="{1F78AD8F-B685-49B2-BA03-F32BD517C0C3}" type="datetimeFigureOut">
               <a:rPr lang="en-GB" smtClean="0"/>
-              <a:t>11/04/2016</a:t>
+              <a:t>08/07/2016</a:t>
             </a:fld>
             <a:endParaRPr lang="en-GB"/>
           </a:p>
@@ -415,7 +416,7 @@
           <a:p>
             <a:fld id="{1F78AD8F-B685-49B2-BA03-F32BD517C0C3}" type="datetimeFigureOut">
               <a:rPr lang="en-GB" smtClean="0"/>
-              <a:t>11/04/2016</a:t>
+              <a:t>08/07/2016</a:t>
             </a:fld>
             <a:endParaRPr lang="en-GB"/>
           </a:p>
@@ -595,7 +596,7 @@
           <a:p>
             <a:fld id="{1F78AD8F-B685-49B2-BA03-F32BD517C0C3}" type="datetimeFigureOut">
               <a:rPr lang="en-GB" smtClean="0"/>
-              <a:t>11/04/2016</a:t>
+              <a:t>08/07/2016</a:t>
             </a:fld>
             <a:endParaRPr lang="en-GB"/>
           </a:p>
@@ -765,7 +766,7 @@
           <a:p>
             <a:fld id="{1F78AD8F-B685-49B2-BA03-F32BD517C0C3}" type="datetimeFigureOut">
               <a:rPr lang="en-GB" smtClean="0"/>
-              <a:t>11/04/2016</a:t>
+              <a:t>08/07/2016</a:t>
             </a:fld>
             <a:endParaRPr lang="en-GB"/>
           </a:p>
@@ -1011,7 +1012,7 @@
           <a:p>
             <a:fld id="{1F78AD8F-B685-49B2-BA03-F32BD517C0C3}" type="datetimeFigureOut">
               <a:rPr lang="en-GB" smtClean="0"/>
-              <a:t>11/04/2016</a:t>
+              <a:t>08/07/2016</a:t>
             </a:fld>
             <a:endParaRPr lang="en-GB"/>
           </a:p>
@@ -1243,7 +1244,7 @@
           <a:p>
             <a:fld id="{1F78AD8F-B685-49B2-BA03-F32BD517C0C3}" type="datetimeFigureOut">
               <a:rPr lang="en-GB" smtClean="0"/>
-              <a:t>11/04/2016</a:t>
+              <a:t>08/07/2016</a:t>
             </a:fld>
             <a:endParaRPr lang="en-GB"/>
           </a:p>
@@ -1610,7 +1611,7 @@
           <a:p>
             <a:fld id="{1F78AD8F-B685-49B2-BA03-F32BD517C0C3}" type="datetimeFigureOut">
               <a:rPr lang="en-GB" smtClean="0"/>
-              <a:t>11/04/2016</a:t>
+              <a:t>08/07/2016</a:t>
             </a:fld>
             <a:endParaRPr lang="en-GB"/>
           </a:p>
@@ -1728,7 +1729,7 @@
           <a:p>
             <a:fld id="{1F78AD8F-B685-49B2-BA03-F32BD517C0C3}" type="datetimeFigureOut">
               <a:rPr lang="en-GB" smtClean="0"/>
-              <a:t>11/04/2016</a:t>
+              <a:t>08/07/2016</a:t>
             </a:fld>
             <a:endParaRPr lang="en-GB"/>
           </a:p>
@@ -1823,7 +1824,7 @@
           <a:p>
             <a:fld id="{1F78AD8F-B685-49B2-BA03-F32BD517C0C3}" type="datetimeFigureOut">
               <a:rPr lang="en-GB" smtClean="0"/>
-              <a:t>11/04/2016</a:t>
+              <a:t>08/07/2016</a:t>
             </a:fld>
             <a:endParaRPr lang="en-GB"/>
           </a:p>
@@ -2100,7 +2101,7 @@
           <a:p>
             <a:fld id="{1F78AD8F-B685-49B2-BA03-F32BD517C0C3}" type="datetimeFigureOut">
               <a:rPr lang="en-GB" smtClean="0"/>
-              <a:t>11/04/2016</a:t>
+              <a:t>08/07/2016</a:t>
             </a:fld>
             <a:endParaRPr lang="en-GB"/>
           </a:p>
@@ -2353,7 +2354,7 @@
           <a:p>
             <a:fld id="{1F78AD8F-B685-49B2-BA03-F32BD517C0C3}" type="datetimeFigureOut">
               <a:rPr lang="en-GB" smtClean="0"/>
-              <a:t>11/04/2016</a:t>
+              <a:t>08/07/2016</a:t>
             </a:fld>
             <a:endParaRPr lang="en-GB"/>
           </a:p>
@@ -2566,7 +2567,7 @@
           <a:p>
             <a:fld id="{1F78AD8F-B685-49B2-BA03-F32BD517C0C3}" type="datetimeFigureOut">
               <a:rPr lang="en-GB" smtClean="0"/>
-              <a:t>11/04/2016</a:t>
+              <a:t>08/07/2016</a:t>
             </a:fld>
             <a:endParaRPr lang="en-GB"/>
           </a:p>
@@ -3502,6 +3503,552 @@
 </p:sld>
 </file>
 
+<file path=ppt/slides/slide4.xml><?xml version="1.0" encoding="utf-8"?>
+<p:sld xmlns:a="http://schemas.openxmlformats.org/drawingml/2006/main" xmlns:r="http://schemas.openxmlformats.org/officeDocument/2006/relationships" xmlns:p="http://schemas.openxmlformats.org/presentationml/2006/main">
+  <p:cSld>
+    <p:spTree>
+      <p:nvGrpSpPr>
+        <p:cNvPr id="1" name=""/>
+        <p:cNvGrpSpPr/>
+        <p:nvPr/>
+      </p:nvGrpSpPr>
+      <p:grpSpPr>
+        <a:xfrm>
+          <a:off x="0" y="0"/>
+          <a:ext cx="0" cy="0"/>
+          <a:chOff x="0" y="0"/>
+          <a:chExt cx="0" cy="0"/>
+        </a:xfrm>
+      </p:grpSpPr>
+      <p:grpSp>
+        <p:nvGrpSpPr>
+          <p:cNvPr id="13" name="Group 12"/>
+          <p:cNvGrpSpPr/>
+          <p:nvPr/>
+        </p:nvGrpSpPr>
+        <p:grpSpPr>
+          <a:xfrm>
+            <a:off x="2240925" y="2039669"/>
+            <a:ext cx="3284112" cy="4599133"/>
+            <a:chOff x="2150773" y="1060875"/>
+            <a:chExt cx="3284112" cy="4599133"/>
+          </a:xfrm>
+        </p:grpSpPr>
+        <p:sp>
+          <p:nvSpPr>
+            <p:cNvPr id="4" name="Rectangle 3"/>
+            <p:cNvSpPr/>
+            <p:nvPr/>
+          </p:nvSpPr>
+          <p:spPr>
+            <a:xfrm>
+              <a:off x="2150773" y="5000094"/>
+              <a:ext cx="3284112" cy="659914"/>
+            </a:xfrm>
+            <a:prstGeom prst="rect">
+              <a:avLst/>
+            </a:prstGeom>
+          </p:spPr>
+          <p:style>
+            <a:lnRef idx="1">
+              <a:schemeClr val="accent5"/>
+            </a:lnRef>
+            <a:fillRef idx="3">
+              <a:schemeClr val="accent5"/>
+            </a:fillRef>
+            <a:effectRef idx="2">
+              <a:schemeClr val="accent5"/>
+            </a:effectRef>
+            <a:fontRef idx="minor">
+              <a:schemeClr val="lt1"/>
+            </a:fontRef>
+          </p:style>
+          <p:txBody>
+            <a:bodyPr rtlCol="0" anchor="ctr"/>
+            <a:lstStyle/>
+            <a:p>
+              <a:pPr algn="ctr"/>
+              <a:r>
+                <a:rPr lang="en-GB" sz="2800" dirty="0" smtClean="0"/>
+                <a:t>Sapphire Substrate</a:t>
+              </a:r>
+              <a:endParaRPr lang="en-GB" sz="2800" dirty="0"/>
+            </a:p>
+          </p:txBody>
+        </p:sp>
+        <p:sp>
+          <p:nvSpPr>
+            <p:cNvPr id="5" name="Rectangle 4"/>
+            <p:cNvSpPr/>
+            <p:nvPr/>
+          </p:nvSpPr>
+          <p:spPr>
+            <a:xfrm>
+              <a:off x="2150773" y="3786389"/>
+              <a:ext cx="3284112" cy="1213705"/>
+            </a:xfrm>
+            <a:prstGeom prst="rect">
+              <a:avLst/>
+            </a:prstGeom>
+          </p:spPr>
+          <p:style>
+            <a:lnRef idx="0">
+              <a:schemeClr val="accent3"/>
+            </a:lnRef>
+            <a:fillRef idx="3">
+              <a:schemeClr val="accent3"/>
+            </a:fillRef>
+            <a:effectRef idx="3">
+              <a:schemeClr val="accent3"/>
+            </a:effectRef>
+            <a:fontRef idx="minor">
+              <a:schemeClr val="lt1"/>
+            </a:fontRef>
+          </p:style>
+          <p:txBody>
+            <a:bodyPr rtlCol="0" anchor="ctr"/>
+            <a:lstStyle/>
+            <a:p>
+              <a:pPr algn="ctr"/>
+              <a:r>
+                <a:rPr lang="en-GB" sz="2800" dirty="0" err="1" smtClean="0"/>
+                <a:t>UiD</a:t>
+              </a:r>
+              <a:r>
+                <a:rPr lang="en-GB" sz="2800" dirty="0" smtClean="0"/>
+                <a:t> </a:t>
+              </a:r>
+              <a:r>
+                <a:rPr lang="en-GB" sz="2800" dirty="0" err="1" smtClean="0"/>
+                <a:t>GaN</a:t>
+              </a:r>
+              <a:r>
+                <a:rPr lang="en-GB" sz="2800" dirty="0" smtClean="0"/>
+                <a:t> (2 </a:t>
+              </a:r>
+              <a:r>
+                <a:rPr lang="el-GR" sz="2800" dirty="0" smtClean="0"/>
+                <a:t>μ</a:t>
+              </a:r>
+              <a:r>
+                <a:rPr lang="en-GB" sz="2800" dirty="0" smtClean="0"/>
+                <a:t>m)</a:t>
+              </a:r>
+              <a:endParaRPr lang="en-GB" sz="2800" dirty="0"/>
+            </a:p>
+          </p:txBody>
+        </p:sp>
+        <p:sp>
+          <p:nvSpPr>
+            <p:cNvPr id="6" name="Rectangle 5"/>
+            <p:cNvSpPr/>
+            <p:nvPr/>
+          </p:nvSpPr>
+          <p:spPr>
+            <a:xfrm>
+              <a:off x="2150773" y="2274580"/>
+              <a:ext cx="3284112" cy="1511809"/>
+            </a:xfrm>
+            <a:prstGeom prst="rect">
+              <a:avLst/>
+            </a:prstGeom>
+          </p:spPr>
+          <p:style>
+            <a:lnRef idx="0">
+              <a:schemeClr val="dk1"/>
+            </a:lnRef>
+            <a:fillRef idx="3">
+              <a:schemeClr val="dk1"/>
+            </a:fillRef>
+            <a:effectRef idx="3">
+              <a:schemeClr val="dk1"/>
+            </a:effectRef>
+            <a:fontRef idx="minor">
+              <a:schemeClr val="lt1"/>
+            </a:fontRef>
+          </p:style>
+          <p:txBody>
+            <a:bodyPr rtlCol="0" anchor="ctr"/>
+            <a:lstStyle/>
+            <a:p>
+              <a:pPr algn="ctr"/>
+              <a:r>
+                <a:rPr lang="en-GB" sz="2800" dirty="0" smtClean="0"/>
+                <a:t>n-</a:t>
+              </a:r>
+              <a:r>
+                <a:rPr lang="en-GB" sz="2800" dirty="0" err="1" smtClean="0"/>
+                <a:t>GaN</a:t>
+              </a:r>
+              <a:r>
+                <a:rPr lang="en-GB" sz="2800" dirty="0" smtClean="0"/>
+                <a:t> (3 </a:t>
+              </a:r>
+              <a:r>
+                <a:rPr lang="el-GR" sz="2800" dirty="0" smtClean="0"/>
+                <a:t>μ</a:t>
+              </a:r>
+              <a:r>
+                <a:rPr lang="en-GB" sz="2800" dirty="0" smtClean="0"/>
+                <a:t>m)</a:t>
+              </a:r>
+              <a:endParaRPr lang="en-GB" sz="2800" dirty="0"/>
+            </a:p>
+          </p:txBody>
+        </p:sp>
+        <p:sp>
+          <p:nvSpPr>
+            <p:cNvPr id="7" name="Rectangle 6"/>
+            <p:cNvSpPr/>
+            <p:nvPr/>
+          </p:nvSpPr>
+          <p:spPr>
+            <a:xfrm>
+              <a:off x="2150773" y="1060875"/>
+              <a:ext cx="3284112" cy="1213705"/>
+            </a:xfrm>
+            <a:prstGeom prst="rect">
+              <a:avLst/>
+            </a:prstGeom>
+          </p:spPr>
+          <p:style>
+            <a:lnRef idx="0">
+              <a:schemeClr val="accent3"/>
+            </a:lnRef>
+            <a:fillRef idx="3">
+              <a:schemeClr val="accent3"/>
+            </a:fillRef>
+            <a:effectRef idx="3">
+              <a:schemeClr val="accent3"/>
+            </a:effectRef>
+            <a:fontRef idx="minor">
+              <a:schemeClr val="lt1"/>
+            </a:fontRef>
+          </p:style>
+          <p:txBody>
+            <a:bodyPr rtlCol="0" anchor="ctr"/>
+            <a:lstStyle/>
+            <a:p>
+              <a:pPr algn="ctr"/>
+              <a:endParaRPr lang="en-GB" dirty="0"/>
+            </a:p>
+          </p:txBody>
+        </p:sp>
+        <p:sp>
+          <p:nvSpPr>
+            <p:cNvPr id="8" name="Rectangle 7"/>
+            <p:cNvSpPr/>
+            <p:nvPr/>
+          </p:nvSpPr>
+          <p:spPr>
+            <a:xfrm>
+              <a:off x="2150773" y="1321308"/>
+              <a:ext cx="3284112" cy="45719"/>
+            </a:xfrm>
+            <a:prstGeom prst="rect">
+              <a:avLst/>
+            </a:prstGeom>
+          </p:spPr>
+          <p:style>
+            <a:lnRef idx="0">
+              <a:schemeClr val="accent6"/>
+            </a:lnRef>
+            <a:fillRef idx="3">
+              <a:schemeClr val="accent6"/>
+            </a:fillRef>
+            <a:effectRef idx="3">
+              <a:schemeClr val="accent6"/>
+            </a:effectRef>
+            <a:fontRef idx="minor">
+              <a:schemeClr val="lt1"/>
+            </a:fontRef>
+          </p:style>
+          <p:txBody>
+            <a:bodyPr rtlCol="0" anchor="ctr"/>
+            <a:lstStyle/>
+            <a:p>
+              <a:pPr algn="ctr"/>
+              <a:endParaRPr lang="en-GB"/>
+            </a:p>
+          </p:txBody>
+        </p:sp>
+        <p:sp>
+          <p:nvSpPr>
+            <p:cNvPr id="9" name="Rectangle 8"/>
+            <p:cNvSpPr/>
+            <p:nvPr/>
+          </p:nvSpPr>
+          <p:spPr>
+            <a:xfrm>
+              <a:off x="2150773" y="1472956"/>
+              <a:ext cx="3284112" cy="45719"/>
+            </a:xfrm>
+            <a:prstGeom prst="rect">
+              <a:avLst/>
+            </a:prstGeom>
+          </p:spPr>
+          <p:style>
+            <a:lnRef idx="0">
+              <a:schemeClr val="accent6"/>
+            </a:lnRef>
+            <a:fillRef idx="3">
+              <a:schemeClr val="accent6"/>
+            </a:fillRef>
+            <a:effectRef idx="3">
+              <a:schemeClr val="accent6"/>
+            </a:effectRef>
+            <a:fontRef idx="minor">
+              <a:schemeClr val="lt1"/>
+            </a:fontRef>
+          </p:style>
+          <p:txBody>
+            <a:bodyPr rtlCol="0" anchor="ctr"/>
+            <a:lstStyle/>
+            <a:p>
+              <a:pPr algn="ctr"/>
+              <a:endParaRPr lang="en-GB"/>
+            </a:p>
+          </p:txBody>
+        </p:sp>
+        <p:sp>
+          <p:nvSpPr>
+            <p:cNvPr id="10" name="Rectangle 9"/>
+            <p:cNvSpPr/>
+            <p:nvPr/>
+          </p:nvSpPr>
+          <p:spPr>
+            <a:xfrm>
+              <a:off x="2150773" y="1643582"/>
+              <a:ext cx="3284112" cy="45719"/>
+            </a:xfrm>
+            <a:prstGeom prst="rect">
+              <a:avLst/>
+            </a:prstGeom>
+          </p:spPr>
+          <p:style>
+            <a:lnRef idx="0">
+              <a:schemeClr val="accent6"/>
+            </a:lnRef>
+            <a:fillRef idx="3">
+              <a:schemeClr val="accent6"/>
+            </a:fillRef>
+            <a:effectRef idx="3">
+              <a:schemeClr val="accent6"/>
+            </a:effectRef>
+            <a:fontRef idx="minor">
+              <a:schemeClr val="lt1"/>
+            </a:fontRef>
+          </p:style>
+          <p:txBody>
+            <a:bodyPr rtlCol="0" anchor="ctr"/>
+            <a:lstStyle/>
+            <a:p>
+              <a:pPr algn="ctr"/>
+              <a:r>
+                <a:rPr lang="en-GB" sz="2800" dirty="0" err="1" smtClean="0"/>
+                <a:t>InGaN</a:t>
+              </a:r>
+              <a:r>
+                <a:rPr lang="en-GB" sz="2800" dirty="0" smtClean="0"/>
+                <a:t> QWs</a:t>
+              </a:r>
+              <a:endParaRPr lang="en-GB" sz="2800" dirty="0"/>
+            </a:p>
+          </p:txBody>
+        </p:sp>
+        <p:sp>
+          <p:nvSpPr>
+            <p:cNvPr id="11" name="Rectangle 10"/>
+            <p:cNvSpPr/>
+            <p:nvPr/>
+          </p:nvSpPr>
+          <p:spPr>
+            <a:xfrm>
+              <a:off x="2150773" y="1777025"/>
+              <a:ext cx="3284112" cy="45719"/>
+            </a:xfrm>
+            <a:prstGeom prst="rect">
+              <a:avLst/>
+            </a:prstGeom>
+          </p:spPr>
+          <p:style>
+            <a:lnRef idx="0">
+              <a:schemeClr val="accent6"/>
+            </a:lnRef>
+            <a:fillRef idx="3">
+              <a:schemeClr val="accent6"/>
+            </a:fillRef>
+            <a:effectRef idx="3">
+              <a:schemeClr val="accent6"/>
+            </a:effectRef>
+            <a:fontRef idx="minor">
+              <a:schemeClr val="lt1"/>
+            </a:fontRef>
+          </p:style>
+          <p:txBody>
+            <a:bodyPr rtlCol="0" anchor="ctr"/>
+            <a:lstStyle/>
+            <a:p>
+              <a:pPr algn="ctr"/>
+              <a:endParaRPr lang="en-GB"/>
+            </a:p>
+          </p:txBody>
+        </p:sp>
+        <p:sp>
+          <p:nvSpPr>
+            <p:cNvPr id="12" name="Rectangle 11"/>
+            <p:cNvSpPr/>
+            <p:nvPr/>
+          </p:nvSpPr>
+          <p:spPr>
+            <a:xfrm>
+              <a:off x="2150773" y="1929446"/>
+              <a:ext cx="3284112" cy="45719"/>
+            </a:xfrm>
+            <a:prstGeom prst="rect">
+              <a:avLst/>
+            </a:prstGeom>
+          </p:spPr>
+          <p:style>
+            <a:lnRef idx="0">
+              <a:schemeClr val="accent6"/>
+            </a:lnRef>
+            <a:fillRef idx="3">
+              <a:schemeClr val="accent6"/>
+            </a:fillRef>
+            <a:effectRef idx="3">
+              <a:schemeClr val="accent6"/>
+            </a:effectRef>
+            <a:fontRef idx="minor">
+              <a:schemeClr val="lt1"/>
+            </a:fontRef>
+          </p:style>
+          <p:txBody>
+            <a:bodyPr rtlCol="0" anchor="ctr"/>
+            <a:lstStyle/>
+            <a:p>
+              <a:pPr algn="ctr"/>
+              <a:endParaRPr lang="en-GB"/>
+            </a:p>
+          </p:txBody>
+        </p:sp>
+      </p:grpSp>
+      <p:sp>
+        <p:nvSpPr>
+          <p:cNvPr id="15" name="Rectangle 14"/>
+          <p:cNvSpPr/>
+          <p:nvPr/>
+        </p:nvSpPr>
+        <p:spPr>
+          <a:xfrm>
+            <a:off x="2240925" y="1694535"/>
+            <a:ext cx="3284112" cy="345134"/>
+          </a:xfrm>
+          <a:prstGeom prst="rect">
+            <a:avLst/>
+          </a:prstGeom>
+          <a:solidFill>
+            <a:srgbClr val="7030A0"/>
+          </a:solidFill>
+        </p:spPr>
+        <p:style>
+          <a:lnRef idx="0">
+            <a:schemeClr val="accent5"/>
+          </a:lnRef>
+          <a:fillRef idx="3">
+            <a:schemeClr val="accent5"/>
+          </a:fillRef>
+          <a:effectRef idx="3">
+            <a:schemeClr val="accent5"/>
+          </a:effectRef>
+          <a:fontRef idx="minor">
+            <a:schemeClr val="lt1"/>
+          </a:fontRef>
+        </p:style>
+        <p:txBody>
+          <a:bodyPr rtlCol="0" anchor="ctr"/>
+          <a:lstStyle/>
+          <a:p>
+            <a:pPr algn="ctr"/>
+            <a:r>
+              <a:rPr lang="en-GB" sz="2800" dirty="0" err="1" smtClean="0"/>
+              <a:t>AlGaN</a:t>
+            </a:r>
+            <a:r>
+              <a:rPr lang="en-GB" sz="2800" dirty="0" smtClean="0"/>
+              <a:t> EBL (20 nm)</a:t>
+            </a:r>
+            <a:endParaRPr lang="en-GB" sz="2800" dirty="0"/>
+          </a:p>
+        </p:txBody>
+      </p:sp>
+      <p:sp>
+        <p:nvSpPr>
+          <p:cNvPr id="16" name="Rectangle 15"/>
+          <p:cNvSpPr/>
+          <p:nvPr/>
+        </p:nvSpPr>
+        <p:spPr>
+          <a:xfrm>
+            <a:off x="2240925" y="1242617"/>
+            <a:ext cx="3284112" cy="455205"/>
+          </a:xfrm>
+          <a:prstGeom prst="rect">
+            <a:avLst/>
+          </a:prstGeom>
+        </p:spPr>
+        <p:style>
+          <a:lnRef idx="0">
+            <a:schemeClr val="accent3"/>
+          </a:lnRef>
+          <a:fillRef idx="3">
+            <a:schemeClr val="accent3"/>
+          </a:fillRef>
+          <a:effectRef idx="3">
+            <a:schemeClr val="accent3"/>
+          </a:effectRef>
+          <a:fontRef idx="minor">
+            <a:schemeClr val="lt1"/>
+          </a:fontRef>
+        </p:style>
+        <p:txBody>
+          <a:bodyPr rtlCol="0" anchor="ctr"/>
+          <a:lstStyle/>
+          <a:p>
+            <a:pPr algn="ctr"/>
+            <a:r>
+              <a:rPr lang="en-GB" sz="2800" dirty="0"/>
+              <a:t>p</a:t>
+            </a:r>
+            <a:r>
+              <a:rPr lang="en-GB" sz="2800" dirty="0" smtClean="0"/>
+              <a:t>-</a:t>
+            </a:r>
+            <a:r>
+              <a:rPr lang="en-GB" sz="2800" dirty="0" err="1" smtClean="0"/>
+              <a:t>GaN</a:t>
+            </a:r>
+            <a:r>
+              <a:rPr lang="en-GB" sz="2800" dirty="0" smtClean="0"/>
+              <a:t> (117 nm)</a:t>
+            </a:r>
+            <a:endParaRPr lang="en-GB" sz="2800" dirty="0"/>
+          </a:p>
+        </p:txBody>
+      </p:sp>
+    </p:spTree>
+    <p:extLst>
+      <p:ext uri="{BB962C8B-B14F-4D97-AF65-F5344CB8AC3E}">
+        <p14:creationId xmlns:p14="http://schemas.microsoft.com/office/powerpoint/2010/main" val="493806144"/>
+      </p:ext>
+    </p:extLst>
+  </p:cSld>
+  <p:clrMapOvr>
+    <a:masterClrMapping/>
+  </p:clrMapOvr>
+</p:sld>
+</file>
+
 <file path=ppt/theme/theme1.xml><?xml version="1.0" encoding="utf-8"?>
 <a:theme xmlns:a="http://schemas.openxmlformats.org/drawingml/2006/main" name="Office Theme">
   <a:themeElements>
